--- a/Processrapport/Utvecklingsplan.pptx
+++ b/Processrapport/Utvecklingsplan.pptx
@@ -6,6 +6,11 @@
   </p:sldMasterIdLst>
   <p:sldIdLst>
     <p:sldId id="256" r:id="rId2"/>
+    <p:sldId id="257" r:id="rId3"/>
+    <p:sldId id="258" r:id="rId4"/>
+    <p:sldId id="259" r:id="rId5"/>
+    <p:sldId id="260" r:id="rId6"/>
+    <p:sldId id="261" r:id="rId7"/>
   </p:sldIdLst>
   <p:sldSz cx="12192000" cy="6858000"/>
   <p:notesSz cx="6858000" cy="9144000"/>
@@ -104,6 +109,11 @@
       </a:defRPr>
     </a:lvl9pPr>
   </p:defaultTextStyle>
+  <p:extLst>
+    <p:ext uri="{EFAFB233-063F-42B5-8137-9DF3F51BA10A}">
+      <p15:sldGuideLst xmlns:p15="http://schemas.microsoft.com/office/powerpoint/2012/main"/>
+    </p:ext>
+  </p:extLst>
 </p:presentation>
 </file>
 
@@ -3343,7 +3353,10 @@
           <a:lstStyle/>
           <a:p>
             <a:r>
-              <a:rPr lang="sv-SE" dirty="0"/>
+              <a:rPr lang="sv-SE" dirty="0">
+                <a:latin typeface="Helvetica" panose="020B0604020202020204" pitchFamily="34" charset="0"/>
+                <a:cs typeface="Helvetica" panose="020B0604020202020204" pitchFamily="34" charset="0"/>
+              </a:rPr>
               <a:t>Utvecklingsplan</a:t>
             </a:r>
           </a:p>
@@ -3371,12 +3384,11 @@
           <a:lstStyle/>
           <a:p>
             <a:r>
-              <a:rPr lang="sv-SE" dirty="0"/>
-              <a:t>Rapporteringsverktyg för Helsingborg Convention and </a:t>
-            </a:r>
-            <a:r>
-              <a:rPr lang="sv-SE"/>
-              <a:t>Event Bureau</a:t>
+              <a:rPr lang="sv-SE" dirty="0">
+                <a:latin typeface="Helvetica" panose="020B0604020202020204" pitchFamily="34" charset="0"/>
+                <a:cs typeface="Helvetica" panose="020B0604020202020204" pitchFamily="34" charset="0"/>
+              </a:rPr>
+              <a:t>Rapporteringsverktyg för Helsingborg Convention and Event Bureau</a:t>
             </a:r>
           </a:p>
         </p:txBody>
@@ -3385,6 +3397,483 @@
     <p:extLst>
       <p:ext uri="{BB962C8B-B14F-4D97-AF65-F5344CB8AC3E}">
         <p14:creationId xmlns:p14="http://schemas.microsoft.com/office/powerpoint/2010/main" val="2479770316"/>
+      </p:ext>
+    </p:extLst>
+  </p:cSld>
+  <p:clrMapOvr>
+    <a:masterClrMapping/>
+  </p:clrMapOvr>
+</p:sld>
+</file>
+
+<file path=ppt/slides/slide2.xml><?xml version="1.0" encoding="utf-8"?>
+<p:sld xmlns:a="http://schemas.openxmlformats.org/drawingml/2006/main" xmlns:r="http://schemas.openxmlformats.org/officeDocument/2006/relationships" xmlns:p="http://schemas.openxmlformats.org/presentationml/2006/main">
+  <p:cSld>
+    <p:spTree>
+      <p:nvGrpSpPr>
+        <p:cNvPr id="1" name=""/>
+        <p:cNvGrpSpPr/>
+        <p:nvPr/>
+      </p:nvGrpSpPr>
+      <p:grpSpPr>
+        <a:xfrm>
+          <a:off x="0" y="0"/>
+          <a:ext cx="0" cy="0"/>
+          <a:chOff x="0" y="0"/>
+          <a:chExt cx="0" cy="0"/>
+        </a:xfrm>
+      </p:grpSpPr>
+      <p:sp>
+        <p:nvSpPr>
+          <p:cNvPr id="2" name="Rubrik 1">
+            <a:extLst>
+              <a:ext uri="{FF2B5EF4-FFF2-40B4-BE49-F238E27FC236}">
+                <a16:creationId xmlns:a16="http://schemas.microsoft.com/office/drawing/2014/main" id="{EEBD2FB9-4589-4B90-A598-278596F20AE5}"/>
+              </a:ext>
+            </a:extLst>
+          </p:cNvPr>
+          <p:cNvSpPr>
+            <a:spLocks noGrp="1"/>
+          </p:cNvSpPr>
+          <p:nvPr>
+            <p:ph type="title"/>
+          </p:nvPr>
+        </p:nvSpPr>
+        <p:spPr/>
+        <p:txBody>
+          <a:bodyPr/>
+          <a:lstStyle/>
+          <a:p>
+            <a:r>
+              <a:rPr lang="sv-SE" dirty="0">
+                <a:latin typeface="Helvetica" panose="020B0604020202020204" pitchFamily="34" charset="0"/>
+                <a:cs typeface="Helvetica" panose="020B0604020202020204" pitchFamily="34" charset="0"/>
+              </a:rPr>
+              <a:t>Målgrupp</a:t>
+            </a:r>
+          </a:p>
+        </p:txBody>
+      </p:sp>
+      <p:sp>
+        <p:nvSpPr>
+          <p:cNvPr id="3" name="Platshållare för innehåll 2">
+            <a:extLst>
+              <a:ext uri="{FF2B5EF4-FFF2-40B4-BE49-F238E27FC236}">
+                <a16:creationId xmlns:a16="http://schemas.microsoft.com/office/drawing/2014/main" id="{F5C6C5B1-1BFD-4569-B4F5-75D0CDCAAA11}"/>
+              </a:ext>
+            </a:extLst>
+          </p:cNvPr>
+          <p:cNvSpPr>
+            <a:spLocks noGrp="1"/>
+          </p:cNvSpPr>
+          <p:nvPr>
+            <p:ph idx="1"/>
+          </p:nvPr>
+        </p:nvSpPr>
+        <p:spPr/>
+        <p:txBody>
+          <a:bodyPr/>
+          <a:lstStyle/>
+          <a:p>
+            <a:r>
+              <a:rPr lang="sv-SE" dirty="0">
+                <a:latin typeface="Helvetica" panose="020B0604020202020204" pitchFamily="34" charset="0"/>
+                <a:cs typeface="Helvetica" panose="020B0604020202020204" pitchFamily="34" charset="0"/>
+              </a:rPr>
+              <a:t>Hotellägare / miljöansvarig på hotell</a:t>
+            </a:r>
+          </a:p>
+          <a:p>
+            <a:r>
+              <a:rPr lang="sv-SE" dirty="0">
+                <a:latin typeface="Helvetica" panose="020B0604020202020204" pitchFamily="34" charset="0"/>
+                <a:cs typeface="Helvetica" panose="020B0604020202020204" pitchFamily="34" charset="0"/>
+              </a:rPr>
+              <a:t>Restaurangägare</a:t>
+            </a:r>
+          </a:p>
+          <a:p>
+            <a:r>
+              <a:rPr lang="sv-SE" dirty="0">
+                <a:latin typeface="Helvetica" panose="020B0604020202020204" pitchFamily="34" charset="0"/>
+                <a:cs typeface="Helvetica" panose="020B0604020202020204" pitchFamily="34" charset="0"/>
+              </a:rPr>
+              <a:t>Miljöansvarig på Campus Helsingborg</a:t>
+            </a:r>
+          </a:p>
+          <a:p>
+            <a:r>
+              <a:rPr lang="sv-SE" dirty="0">
+                <a:latin typeface="Helvetica" panose="020B0604020202020204" pitchFamily="34" charset="0"/>
+                <a:cs typeface="Helvetica" panose="020B0604020202020204" pitchFamily="34" charset="0"/>
+              </a:rPr>
+              <a:t>Miljöansvarig på olika byråer och anläggningar som har med besöksnäringen </a:t>
+            </a:r>
+            <a:r>
+              <a:rPr lang="sv-SE">
+                <a:latin typeface="Helvetica" panose="020B0604020202020204" pitchFamily="34" charset="0"/>
+                <a:cs typeface="Helvetica" panose="020B0604020202020204" pitchFamily="34" charset="0"/>
+              </a:rPr>
+              <a:t>i Helsingborg att göra</a:t>
+            </a:r>
+            <a:endParaRPr lang="sv-SE" dirty="0">
+              <a:latin typeface="Helvetica" panose="020B0604020202020204" pitchFamily="34" charset="0"/>
+              <a:cs typeface="Helvetica" panose="020B0604020202020204" pitchFamily="34" charset="0"/>
+            </a:endParaRPr>
+          </a:p>
+          <a:p>
+            <a:endParaRPr lang="sv-SE" dirty="0">
+              <a:latin typeface="Helvetica" panose="020B0604020202020204" pitchFamily="34" charset="0"/>
+              <a:cs typeface="Helvetica" panose="020B0604020202020204" pitchFamily="34" charset="0"/>
+            </a:endParaRPr>
+          </a:p>
+        </p:txBody>
+      </p:sp>
+    </p:spTree>
+    <p:extLst>
+      <p:ext uri="{BB962C8B-B14F-4D97-AF65-F5344CB8AC3E}">
+        <p14:creationId xmlns:p14="http://schemas.microsoft.com/office/powerpoint/2010/main" val="3163287247"/>
+      </p:ext>
+    </p:extLst>
+  </p:cSld>
+  <p:clrMapOvr>
+    <a:masterClrMapping/>
+  </p:clrMapOvr>
+</p:sld>
+</file>
+
+<file path=ppt/slides/slide3.xml><?xml version="1.0" encoding="utf-8"?>
+<p:sld xmlns:a="http://schemas.openxmlformats.org/drawingml/2006/main" xmlns:r="http://schemas.openxmlformats.org/officeDocument/2006/relationships" xmlns:p="http://schemas.openxmlformats.org/presentationml/2006/main">
+  <p:cSld>
+    <p:spTree>
+      <p:nvGrpSpPr>
+        <p:cNvPr id="1" name=""/>
+        <p:cNvGrpSpPr/>
+        <p:nvPr/>
+      </p:nvGrpSpPr>
+      <p:grpSpPr>
+        <a:xfrm>
+          <a:off x="0" y="0"/>
+          <a:ext cx="0" cy="0"/>
+          <a:chOff x="0" y="0"/>
+          <a:chExt cx="0" cy="0"/>
+        </a:xfrm>
+      </p:grpSpPr>
+      <p:sp>
+        <p:nvSpPr>
+          <p:cNvPr id="2" name="Rubrik 1">
+            <a:extLst>
+              <a:ext uri="{FF2B5EF4-FFF2-40B4-BE49-F238E27FC236}">
+                <a16:creationId xmlns:a16="http://schemas.microsoft.com/office/drawing/2014/main" id="{FDA49AD9-1385-4690-B4AB-5627836E8509}"/>
+              </a:ext>
+            </a:extLst>
+          </p:cNvPr>
+          <p:cNvSpPr>
+            <a:spLocks noGrp="1"/>
+          </p:cNvSpPr>
+          <p:nvPr>
+            <p:ph type="title"/>
+          </p:nvPr>
+        </p:nvSpPr>
+        <p:spPr/>
+        <p:txBody>
+          <a:bodyPr/>
+          <a:lstStyle/>
+          <a:p>
+            <a:r>
+              <a:rPr lang="sv-SE" dirty="0">
+                <a:latin typeface="Helvetica" panose="020B0604020202020204" pitchFamily="34" charset="0"/>
+                <a:cs typeface="Helvetica" panose="020B0604020202020204" pitchFamily="34" charset="0"/>
+              </a:rPr>
+              <a:t>Utvecklingsmodell</a:t>
+            </a:r>
+          </a:p>
+        </p:txBody>
+      </p:sp>
+      <p:sp>
+        <p:nvSpPr>
+          <p:cNvPr id="3" name="Platshållare för innehåll 2">
+            <a:extLst>
+              <a:ext uri="{FF2B5EF4-FFF2-40B4-BE49-F238E27FC236}">
+                <a16:creationId xmlns:a16="http://schemas.microsoft.com/office/drawing/2014/main" id="{F1B61B59-8923-43CC-B4BA-E9A608FF01DA}"/>
+              </a:ext>
+            </a:extLst>
+          </p:cNvPr>
+          <p:cNvSpPr>
+            <a:spLocks noGrp="1"/>
+          </p:cNvSpPr>
+          <p:nvPr>
+            <p:ph idx="1"/>
+          </p:nvPr>
+        </p:nvSpPr>
+        <p:spPr/>
+        <p:txBody>
+          <a:bodyPr/>
+          <a:lstStyle/>
+          <a:p>
+            <a:endParaRPr lang="sv-SE"/>
+          </a:p>
+        </p:txBody>
+      </p:sp>
+    </p:spTree>
+    <p:extLst>
+      <p:ext uri="{BB962C8B-B14F-4D97-AF65-F5344CB8AC3E}">
+        <p14:creationId xmlns:p14="http://schemas.microsoft.com/office/powerpoint/2010/main" val="642302900"/>
+      </p:ext>
+    </p:extLst>
+  </p:cSld>
+  <p:clrMapOvr>
+    <a:masterClrMapping/>
+  </p:clrMapOvr>
+</p:sld>
+</file>
+
+<file path=ppt/slides/slide4.xml><?xml version="1.0" encoding="utf-8"?>
+<p:sld xmlns:a="http://schemas.openxmlformats.org/drawingml/2006/main" xmlns:r="http://schemas.openxmlformats.org/officeDocument/2006/relationships" xmlns:p="http://schemas.openxmlformats.org/presentationml/2006/main">
+  <p:cSld>
+    <p:spTree>
+      <p:nvGrpSpPr>
+        <p:cNvPr id="1" name=""/>
+        <p:cNvGrpSpPr/>
+        <p:nvPr/>
+      </p:nvGrpSpPr>
+      <p:grpSpPr>
+        <a:xfrm>
+          <a:off x="0" y="0"/>
+          <a:ext cx="0" cy="0"/>
+          <a:chOff x="0" y="0"/>
+          <a:chExt cx="0" cy="0"/>
+        </a:xfrm>
+      </p:grpSpPr>
+      <p:sp>
+        <p:nvSpPr>
+          <p:cNvPr id="2" name="Rubrik 1">
+            <a:extLst>
+              <a:ext uri="{FF2B5EF4-FFF2-40B4-BE49-F238E27FC236}">
+                <a16:creationId xmlns:a16="http://schemas.microsoft.com/office/drawing/2014/main" id="{001DABE3-9CFE-4044-8734-D5DB87C0334C}"/>
+              </a:ext>
+            </a:extLst>
+          </p:cNvPr>
+          <p:cNvSpPr>
+            <a:spLocks noGrp="1"/>
+          </p:cNvSpPr>
+          <p:nvPr>
+            <p:ph type="title"/>
+          </p:nvPr>
+        </p:nvSpPr>
+        <p:spPr/>
+        <p:txBody>
+          <a:bodyPr/>
+          <a:lstStyle/>
+          <a:p>
+            <a:r>
+              <a:rPr lang="sv-SE" dirty="0"/>
+              <a:t>Ansvarsområden och regler</a:t>
+            </a:r>
+          </a:p>
+        </p:txBody>
+      </p:sp>
+      <p:sp>
+        <p:nvSpPr>
+          <p:cNvPr id="3" name="Platshållare för innehåll 2">
+            <a:extLst>
+              <a:ext uri="{FF2B5EF4-FFF2-40B4-BE49-F238E27FC236}">
+                <a16:creationId xmlns:a16="http://schemas.microsoft.com/office/drawing/2014/main" id="{C0524647-613E-45E3-8E24-C900E8F84702}"/>
+              </a:ext>
+            </a:extLst>
+          </p:cNvPr>
+          <p:cNvSpPr>
+            <a:spLocks noGrp="1"/>
+          </p:cNvSpPr>
+          <p:nvPr>
+            <p:ph idx="1"/>
+          </p:nvPr>
+        </p:nvSpPr>
+        <p:spPr/>
+        <p:txBody>
+          <a:bodyPr/>
+          <a:lstStyle/>
+          <a:p>
+            <a:endParaRPr lang="sv-SE"/>
+          </a:p>
+        </p:txBody>
+      </p:sp>
+    </p:spTree>
+    <p:extLst>
+      <p:ext uri="{BB962C8B-B14F-4D97-AF65-F5344CB8AC3E}">
+        <p14:creationId xmlns:p14="http://schemas.microsoft.com/office/powerpoint/2010/main" val="587906808"/>
+      </p:ext>
+    </p:extLst>
+  </p:cSld>
+  <p:clrMapOvr>
+    <a:masterClrMapping/>
+  </p:clrMapOvr>
+</p:sld>
+</file>
+
+<file path=ppt/slides/slide5.xml><?xml version="1.0" encoding="utf-8"?>
+<p:sld xmlns:a="http://schemas.openxmlformats.org/drawingml/2006/main" xmlns:r="http://schemas.openxmlformats.org/officeDocument/2006/relationships" xmlns:p="http://schemas.openxmlformats.org/presentationml/2006/main">
+  <p:cSld>
+    <p:spTree>
+      <p:nvGrpSpPr>
+        <p:cNvPr id="1" name=""/>
+        <p:cNvGrpSpPr/>
+        <p:nvPr/>
+      </p:nvGrpSpPr>
+      <p:grpSpPr>
+        <a:xfrm>
+          <a:off x="0" y="0"/>
+          <a:ext cx="0" cy="0"/>
+          <a:chOff x="0" y="0"/>
+          <a:chExt cx="0" cy="0"/>
+        </a:xfrm>
+      </p:grpSpPr>
+      <p:sp>
+        <p:nvSpPr>
+          <p:cNvPr id="2" name="Rubrik 1">
+            <a:extLst>
+              <a:ext uri="{FF2B5EF4-FFF2-40B4-BE49-F238E27FC236}">
+                <a16:creationId xmlns:a16="http://schemas.microsoft.com/office/drawing/2014/main" id="{4ECE9A1B-DED5-4C71-92D6-55946A8D722D}"/>
+              </a:ext>
+            </a:extLst>
+          </p:cNvPr>
+          <p:cNvSpPr>
+            <a:spLocks noGrp="1"/>
+          </p:cNvSpPr>
+          <p:nvPr>
+            <p:ph type="title"/>
+          </p:nvPr>
+        </p:nvSpPr>
+        <p:spPr/>
+        <p:txBody>
+          <a:bodyPr/>
+          <a:lstStyle/>
+          <a:p>
+            <a:r>
+              <a:rPr lang="sv-SE" dirty="0">
+                <a:latin typeface="Helvetica" panose="020B0604020202020204" pitchFamily="34" charset="0"/>
+                <a:cs typeface="Helvetica" panose="020B0604020202020204" pitchFamily="34" charset="0"/>
+              </a:rPr>
+              <a:t>Slutleverans</a:t>
+            </a:r>
+          </a:p>
+        </p:txBody>
+      </p:sp>
+      <p:sp>
+        <p:nvSpPr>
+          <p:cNvPr id="3" name="Platshållare för innehåll 2">
+            <a:extLst>
+              <a:ext uri="{FF2B5EF4-FFF2-40B4-BE49-F238E27FC236}">
+                <a16:creationId xmlns:a16="http://schemas.microsoft.com/office/drawing/2014/main" id="{5A5F5619-E86D-478E-89BD-E8F01A05B0A9}"/>
+              </a:ext>
+            </a:extLst>
+          </p:cNvPr>
+          <p:cNvSpPr>
+            <a:spLocks noGrp="1"/>
+          </p:cNvSpPr>
+          <p:nvPr>
+            <p:ph idx="1"/>
+          </p:nvPr>
+        </p:nvSpPr>
+        <p:spPr/>
+        <p:txBody>
+          <a:bodyPr/>
+          <a:lstStyle/>
+          <a:p>
+            <a:endParaRPr lang="sv-SE"/>
+          </a:p>
+        </p:txBody>
+      </p:sp>
+    </p:spTree>
+    <p:extLst>
+      <p:ext uri="{BB962C8B-B14F-4D97-AF65-F5344CB8AC3E}">
+        <p14:creationId xmlns:p14="http://schemas.microsoft.com/office/powerpoint/2010/main" val="714055624"/>
+      </p:ext>
+    </p:extLst>
+  </p:cSld>
+  <p:clrMapOvr>
+    <a:masterClrMapping/>
+  </p:clrMapOvr>
+</p:sld>
+</file>
+
+<file path=ppt/slides/slide6.xml><?xml version="1.0" encoding="utf-8"?>
+<p:sld xmlns:a="http://schemas.openxmlformats.org/drawingml/2006/main" xmlns:r="http://schemas.openxmlformats.org/officeDocument/2006/relationships" xmlns:p="http://schemas.openxmlformats.org/presentationml/2006/main">
+  <p:cSld>
+    <p:spTree>
+      <p:nvGrpSpPr>
+        <p:cNvPr id="1" name=""/>
+        <p:cNvGrpSpPr/>
+        <p:nvPr/>
+      </p:nvGrpSpPr>
+      <p:grpSpPr>
+        <a:xfrm>
+          <a:off x="0" y="0"/>
+          <a:ext cx="0" cy="0"/>
+          <a:chOff x="0" y="0"/>
+          <a:chExt cx="0" cy="0"/>
+        </a:xfrm>
+      </p:grpSpPr>
+      <p:sp>
+        <p:nvSpPr>
+          <p:cNvPr id="2" name="Rubrik 1">
+            <a:extLst>
+              <a:ext uri="{FF2B5EF4-FFF2-40B4-BE49-F238E27FC236}">
+                <a16:creationId xmlns:a16="http://schemas.microsoft.com/office/drawing/2014/main" id="{7D45CE83-EED9-4383-A32F-3339D40CAB84}"/>
+              </a:ext>
+            </a:extLst>
+          </p:cNvPr>
+          <p:cNvSpPr>
+            <a:spLocks noGrp="1"/>
+          </p:cNvSpPr>
+          <p:nvPr>
+            <p:ph type="title"/>
+          </p:nvPr>
+        </p:nvSpPr>
+        <p:spPr/>
+        <p:txBody>
+          <a:bodyPr/>
+          <a:lstStyle/>
+          <a:p>
+            <a:r>
+              <a:rPr lang="sv-SE" dirty="0">
+                <a:latin typeface="Helvetica" panose="020B0604020202020204" pitchFamily="34" charset="0"/>
+                <a:cs typeface="Helvetica" panose="020B0604020202020204" pitchFamily="34" charset="0"/>
+              </a:rPr>
+              <a:t>Tidplan</a:t>
+            </a:r>
+          </a:p>
+        </p:txBody>
+      </p:sp>
+      <p:sp>
+        <p:nvSpPr>
+          <p:cNvPr id="3" name="Platshållare för innehåll 2">
+            <a:extLst>
+              <a:ext uri="{FF2B5EF4-FFF2-40B4-BE49-F238E27FC236}">
+                <a16:creationId xmlns:a16="http://schemas.microsoft.com/office/drawing/2014/main" id="{B739F440-C6C2-4A89-9C0E-E60AF573E98A}"/>
+              </a:ext>
+            </a:extLst>
+          </p:cNvPr>
+          <p:cNvSpPr>
+            <a:spLocks noGrp="1"/>
+          </p:cNvSpPr>
+          <p:nvPr>
+            <p:ph idx="1"/>
+          </p:nvPr>
+        </p:nvSpPr>
+        <p:spPr/>
+        <p:txBody>
+          <a:bodyPr/>
+          <a:lstStyle/>
+          <a:p>
+            <a:endParaRPr lang="sv-SE"/>
+          </a:p>
+        </p:txBody>
+      </p:sp>
+    </p:spTree>
+    <p:extLst>
+      <p:ext uri="{BB962C8B-B14F-4D97-AF65-F5344CB8AC3E}">
+        <p14:creationId xmlns:p14="http://schemas.microsoft.com/office/powerpoint/2010/main" val="1945822724"/>
       </p:ext>
     </p:extLst>
   </p:cSld>

--- a/Processrapport/Utvecklingsplan.pptx
+++ b/Processrapport/Utvecklingsplan.pptx
@@ -264,7 +264,7 @@
           <a:p>
             <a:fld id="{E8AD8362-836D-4F68-89D4-827E7DA21A59}" type="datetimeFigureOut">
               <a:rPr lang="sv-SE" smtClean="0"/>
-              <a:t>2021-10-07</a:t>
+              <a:t>2021-10-11</a:t>
             </a:fld>
             <a:endParaRPr lang="sv-SE"/>
           </a:p>
@@ -462,7 +462,7 @@
           <a:p>
             <a:fld id="{E8AD8362-836D-4F68-89D4-827E7DA21A59}" type="datetimeFigureOut">
               <a:rPr lang="sv-SE" smtClean="0"/>
-              <a:t>2021-10-07</a:t>
+              <a:t>2021-10-11</a:t>
             </a:fld>
             <a:endParaRPr lang="sv-SE"/>
           </a:p>
@@ -670,7 +670,7 @@
           <a:p>
             <a:fld id="{E8AD8362-836D-4F68-89D4-827E7DA21A59}" type="datetimeFigureOut">
               <a:rPr lang="sv-SE" smtClean="0"/>
-              <a:t>2021-10-07</a:t>
+              <a:t>2021-10-11</a:t>
             </a:fld>
             <a:endParaRPr lang="sv-SE"/>
           </a:p>
@@ -868,7 +868,7 @@
           <a:p>
             <a:fld id="{E8AD8362-836D-4F68-89D4-827E7DA21A59}" type="datetimeFigureOut">
               <a:rPr lang="sv-SE" smtClean="0"/>
-              <a:t>2021-10-07</a:t>
+              <a:t>2021-10-11</a:t>
             </a:fld>
             <a:endParaRPr lang="sv-SE"/>
           </a:p>
@@ -1143,7 +1143,7 @@
           <a:p>
             <a:fld id="{E8AD8362-836D-4F68-89D4-827E7DA21A59}" type="datetimeFigureOut">
               <a:rPr lang="sv-SE" smtClean="0"/>
-              <a:t>2021-10-07</a:t>
+              <a:t>2021-10-11</a:t>
             </a:fld>
             <a:endParaRPr lang="sv-SE"/>
           </a:p>
@@ -1408,7 +1408,7 @@
           <a:p>
             <a:fld id="{E8AD8362-836D-4F68-89D4-827E7DA21A59}" type="datetimeFigureOut">
               <a:rPr lang="sv-SE" smtClean="0"/>
-              <a:t>2021-10-07</a:t>
+              <a:t>2021-10-11</a:t>
             </a:fld>
             <a:endParaRPr lang="sv-SE"/>
           </a:p>
@@ -1820,7 +1820,7 @@
           <a:p>
             <a:fld id="{E8AD8362-836D-4F68-89D4-827E7DA21A59}" type="datetimeFigureOut">
               <a:rPr lang="sv-SE" smtClean="0"/>
-              <a:t>2021-10-07</a:t>
+              <a:t>2021-10-11</a:t>
             </a:fld>
             <a:endParaRPr lang="sv-SE"/>
           </a:p>
@@ -1961,7 +1961,7 @@
           <a:p>
             <a:fld id="{E8AD8362-836D-4F68-89D4-827E7DA21A59}" type="datetimeFigureOut">
               <a:rPr lang="sv-SE" smtClean="0"/>
-              <a:t>2021-10-07</a:t>
+              <a:t>2021-10-11</a:t>
             </a:fld>
             <a:endParaRPr lang="sv-SE"/>
           </a:p>
@@ -2074,7 +2074,7 @@
           <a:p>
             <a:fld id="{E8AD8362-836D-4F68-89D4-827E7DA21A59}" type="datetimeFigureOut">
               <a:rPr lang="sv-SE" smtClean="0"/>
-              <a:t>2021-10-07</a:t>
+              <a:t>2021-10-11</a:t>
             </a:fld>
             <a:endParaRPr lang="sv-SE"/>
           </a:p>
@@ -2385,7 +2385,7 @@
           <a:p>
             <a:fld id="{E8AD8362-836D-4F68-89D4-827E7DA21A59}" type="datetimeFigureOut">
               <a:rPr lang="sv-SE" smtClean="0"/>
-              <a:t>2021-10-07</a:t>
+              <a:t>2021-10-11</a:t>
             </a:fld>
             <a:endParaRPr lang="sv-SE"/>
           </a:p>
@@ -2673,7 +2673,7 @@
           <a:p>
             <a:fld id="{E8AD8362-836D-4F68-89D4-827E7DA21A59}" type="datetimeFigureOut">
               <a:rPr lang="sv-SE" smtClean="0"/>
-              <a:t>2021-10-07</a:t>
+              <a:t>2021-10-11</a:t>
             </a:fld>
             <a:endParaRPr lang="sv-SE"/>
           </a:p>
@@ -2914,7 +2914,7 @@
           <a:p>
             <a:fld id="{E8AD8362-836D-4F68-89D4-827E7DA21A59}" type="datetimeFigureOut">
               <a:rPr lang="sv-SE" smtClean="0"/>
-              <a:t>2021-10-07</a:t>
+              <a:t>2021-10-11</a:t>
             </a:fld>
             <a:endParaRPr lang="sv-SE"/>
           </a:p>
@@ -3507,19 +3507,8 @@
                 <a:latin typeface="Helvetica" panose="020B0604020202020204" pitchFamily="34" charset="0"/>
                 <a:cs typeface="Helvetica" panose="020B0604020202020204" pitchFamily="34" charset="0"/>
               </a:rPr>
-              <a:t>Miljöansvarig på olika byråer och anläggningar som har med besöksnäringen </a:t>
-            </a:r>
-            <a:r>
-              <a:rPr lang="sv-SE">
-                <a:latin typeface="Helvetica" panose="020B0604020202020204" pitchFamily="34" charset="0"/>
-                <a:cs typeface="Helvetica" panose="020B0604020202020204" pitchFamily="34" charset="0"/>
-              </a:rPr>
-              <a:t>i Helsingborg att göra</a:t>
-            </a:r>
-            <a:endParaRPr lang="sv-SE" dirty="0">
-              <a:latin typeface="Helvetica" panose="020B0604020202020204" pitchFamily="34" charset="0"/>
-              <a:cs typeface="Helvetica" panose="020B0604020202020204" pitchFamily="34" charset="0"/>
-            </a:endParaRPr>
+              <a:t>Miljöansvarig på olika byråer och anläggningar som arbetar inom besöksnäringen i Helsingborg</a:t>
+            </a:r>
           </a:p>
           <a:p>
             <a:endParaRPr lang="sv-SE" dirty="0">
@@ -3611,7 +3600,31 @@
           <a:bodyPr/>
           <a:lstStyle/>
           <a:p>
-            <a:endParaRPr lang="sv-SE"/>
+            <a:r>
+              <a:rPr lang="sv-SE" dirty="0"/>
+              <a:t>En kombination av iterativ och lättrörlig processmodell. </a:t>
+            </a:r>
+          </a:p>
+          <a:p>
+            <a:r>
+              <a:rPr lang="sv-SE" dirty="0"/>
+              <a:t>SCRUM</a:t>
+            </a:r>
+          </a:p>
+          <a:p>
+            <a:r>
+              <a:rPr lang="sv-SE" dirty="0"/>
+              <a:t>Korta sprinter!</a:t>
+            </a:r>
+          </a:p>
+          <a:p>
+            <a:r>
+              <a:rPr lang="sv-SE" dirty="0"/>
+              <a:t>Experimenterar!</a:t>
+            </a:r>
+          </a:p>
+          <a:p>
+            <a:endParaRPr lang="sv-SE" dirty="0"/>
           </a:p>
         </p:txBody>
       </p:sp>
@@ -3694,7 +3707,7 @@
           <a:bodyPr/>
           <a:lstStyle/>
           <a:p>
-            <a:endParaRPr lang="sv-SE"/>
+            <a:endParaRPr lang="sv-SE" dirty="0"/>
           </a:p>
         </p:txBody>
       </p:sp>
@@ -3780,7 +3793,22 @@
           <a:bodyPr/>
           <a:lstStyle/>
           <a:p>
-            <a:endParaRPr lang="sv-SE"/>
+            <a:r>
+              <a:rPr lang="sv-SE" dirty="0"/>
+              <a:t>17 december 2021</a:t>
+            </a:r>
+          </a:p>
+          <a:p>
+            <a:r>
+              <a:rPr lang="sv-SE" dirty="0"/>
+              <a:t>Acceptanstest</a:t>
+            </a:r>
+          </a:p>
+          <a:p>
+            <a:r>
+              <a:rPr lang="sv-SE" dirty="0"/>
+              <a:t>Presentation med livedemo</a:t>
+            </a:r>
           </a:p>
         </p:txBody>
       </p:sp>
@@ -3840,7 +3868,7 @@
                 <a:latin typeface="Helvetica" panose="020B0604020202020204" pitchFamily="34" charset="0"/>
                 <a:cs typeface="Helvetica" panose="020B0604020202020204" pitchFamily="34" charset="0"/>
               </a:rPr>
-              <a:t>Tidplan</a:t>
+              <a:t>Tidsplan</a:t>
             </a:r>
           </a:p>
         </p:txBody>
@@ -3866,7 +3894,39 @@
           <a:bodyPr/>
           <a:lstStyle/>
           <a:p>
-            <a:endParaRPr lang="sv-SE"/>
+            <a:r>
+              <a:rPr lang="sv-SE" dirty="0"/>
+              <a:t>Schemat utgår från </a:t>
+            </a:r>
+            <a:r>
+              <a:rPr lang="sv-SE" dirty="0" err="1"/>
+              <a:t>enveckorssprints</a:t>
+            </a:r>
+            <a:endParaRPr lang="sv-SE" dirty="0"/>
+          </a:p>
+          <a:p>
+            <a:r>
+              <a:rPr lang="sv-SE" dirty="0"/>
+              <a:t>Vi ska vara klara med UML och ER på fredag (sprint 1 slut)</a:t>
+            </a:r>
+          </a:p>
+          <a:p>
+            <a:r>
+              <a:rPr lang="sv-SE" dirty="0"/>
+              <a:t>Sätta upp en server under sprint 2</a:t>
+            </a:r>
+          </a:p>
+          <a:p>
+            <a:r>
+              <a:rPr lang="sv-SE" dirty="0"/>
+              <a:t>Ha en ”fungerande” webbsida från och med sprint 2</a:t>
+            </a:r>
+          </a:p>
+          <a:p>
+            <a:r>
+              <a:rPr lang="sv-SE" dirty="0"/>
+              <a:t>Löpande funktionstest varannan vecka från och med sprint 2</a:t>
+            </a:r>
           </a:p>
         </p:txBody>
       </p:sp>

--- a/Processrapport/Utvecklingsplan.pptx
+++ b/Processrapport/Utvecklingsplan.pptx
@@ -3891,23 +3891,27 @@
         </p:nvSpPr>
         <p:spPr/>
         <p:txBody>
-          <a:bodyPr/>
+          <a:bodyPr>
+            <a:normAutofit fontScale="92500" lnSpcReduction="10000"/>
+          </a:bodyPr>
           <a:lstStyle/>
           <a:p>
             <a:r>
               <a:rPr lang="sv-SE" dirty="0"/>
-              <a:t>Schemat utgår från </a:t>
-            </a:r>
-            <a:r>
-              <a:rPr lang="sv-SE" dirty="0" err="1"/>
-              <a:t>enveckorssprints</a:t>
-            </a:r>
-            <a:endParaRPr lang="sv-SE" dirty="0"/>
-          </a:p>
-          <a:p>
+              <a:t>Sprints som löper i en vecka</a:t>
+            </a:r>
+          </a:p>
+          <a:p>
+            <a:pPr lvl="1"/>
             <a:r>
               <a:rPr lang="sv-SE" dirty="0"/>
-              <a:t>Vi ska vara klara med UML och ER på fredag (sprint 1 slut)</a:t>
+              <a:t>Lättare att komma igång</a:t>
+            </a:r>
+          </a:p>
+          <a:p>
+            <a:r>
+              <a:rPr lang="sv-SE" dirty="0"/>
+              <a:t>Klara med UML och ER-diagram under sprint 1</a:t>
             </a:r>
           </a:p>
           <a:p>
@@ -3923,9 +3927,44 @@
             </a:r>
           </a:p>
           <a:p>
+            <a:pPr lvl="1"/>
+            <a:r>
+              <a:rPr lang="sv-SE" dirty="0"/>
+              <a:t>Körbar</a:t>
+            </a:r>
+          </a:p>
+          <a:p>
+            <a:pPr lvl="1"/>
+            <a:r>
+              <a:rPr lang="sv-SE" dirty="0"/>
+              <a:t>Fokus på UX</a:t>
+            </a:r>
+          </a:p>
+          <a:p>
             <a:r>
               <a:rPr lang="sv-SE" dirty="0"/>
               <a:t>Löpande funktionstest varannan vecka från och med sprint 2</a:t>
+            </a:r>
+          </a:p>
+          <a:p>
+            <a:pPr lvl="1"/>
+            <a:r>
+              <a:rPr lang="sv-SE" dirty="0"/>
+              <a:t>Dedikerad tid och arbetspass</a:t>
+            </a:r>
+          </a:p>
+          <a:p>
+            <a:pPr lvl="1"/>
+            <a:r>
+              <a:rPr lang="sv-SE" dirty="0"/>
+              <a:t>Löpande tester</a:t>
+            </a:r>
+          </a:p>
+          <a:p>
+            <a:pPr lvl="1"/>
+            <a:r>
+              <a:rPr lang="sv-SE" dirty="0"/>
+              <a:t>Användartester i ett senare skede</a:t>
             </a:r>
           </a:p>
         </p:txBody>

--- a/Processrapport/Utvecklingsplan.pptx
+++ b/Processrapport/Utvecklingsplan.pptx
@@ -115,6 +115,35 @@
     </p:ext>
   </p:extLst>
 </p:presentation>
+</file>
+
+<file path=ppt/changesInfos/changesInfo1.xml><?xml version="1.0" encoding="utf-8"?>
+<pc:chgInfo xmlns:a="http://schemas.openxmlformats.org/drawingml/2006/main" xmlns:r="http://schemas.openxmlformats.org/officeDocument/2006/relationships" xmlns:ac="http://schemas.microsoft.com/office/drawing/2013/main/command" xmlns:pc="http://schemas.microsoft.com/office/powerpoint/2013/main/command">
+  <pc:docChgLst>
+    <pc:chgData name="oscar blixt" userId="551517c7500e7c24" providerId="LiveId" clId="{94C18415-6E45-42A9-9C94-F73381207A75}"/>
+    <pc:docChg chg="modSld">
+      <pc:chgData name="oscar blixt" userId="551517c7500e7c24" providerId="LiveId" clId="{94C18415-6E45-42A9-9C94-F73381207A75}" dt="2021-10-11T08:02:38.325" v="77" actId="20577"/>
+      <pc:docMkLst>
+        <pc:docMk/>
+      </pc:docMkLst>
+      <pc:sldChg chg="modSp mod">
+        <pc:chgData name="oscar blixt" userId="551517c7500e7c24" providerId="LiveId" clId="{94C18415-6E45-42A9-9C94-F73381207A75}" dt="2021-10-11T08:02:38.325" v="77" actId="20577"/>
+        <pc:sldMkLst>
+          <pc:docMk/>
+          <pc:sldMk cId="714055624" sldId="260"/>
+        </pc:sldMkLst>
+        <pc:spChg chg="mod">
+          <ac:chgData name="oscar blixt" userId="551517c7500e7c24" providerId="LiveId" clId="{94C18415-6E45-42A9-9C94-F73381207A75}" dt="2021-10-11T08:02:38.325" v="77" actId="20577"/>
+          <ac:spMkLst>
+            <pc:docMk/>
+            <pc:sldMk cId="714055624" sldId="260"/>
+            <ac:spMk id="3" creationId="{5A5F5619-E86D-478E-89BD-E8F01A05B0A9}"/>
+          </ac:spMkLst>
+        </pc:spChg>
+      </pc:sldChg>
+    </pc:docChg>
+  </pc:docChgLst>
+</pc:chgInfo>
 </file>
 
 <file path=ppt/slideLayouts/slideLayout1.xml><?xml version="1.0" encoding="utf-8"?>
@@ -3810,6 +3839,26 @@
               <a:t>Presentation med livedemo</a:t>
             </a:r>
           </a:p>
+          <a:p>
+            <a:r>
+              <a:rPr lang="sv-SE" dirty="0"/>
+              <a:t>Fungerande hemsida </a:t>
+            </a:r>
+            <a:r>
+              <a:rPr lang="sv-SE"/>
+              <a:t>och databas</a:t>
+            </a:r>
+            <a:endParaRPr lang="sv-SE" dirty="0"/>
+          </a:p>
+          <a:p>
+            <a:r>
+              <a:rPr lang="sv-SE" dirty="0"/>
+              <a:t>Begränsning i form av funktionalitet</a:t>
+            </a:r>
+          </a:p>
+          <a:p>
+            <a:endParaRPr lang="sv-SE" dirty="0"/>
+          </a:p>
         </p:txBody>
       </p:sp>
     </p:spTree>

--- a/Processrapport/Utvecklingsplan.pptx
+++ b/Processrapport/Utvecklingsplan.pptx
@@ -3376,7 +3376,12 @@
             <p:ph type="ctrTitle"/>
           </p:nvPr>
         </p:nvSpPr>
-        <p:spPr/>
+        <p:spPr>
+          <a:xfrm>
+            <a:off x="1524000" y="1485900"/>
+            <a:ext cx="9144000" cy="1308100"/>
+          </a:xfrm>
+        </p:spPr>
         <p:txBody>
           <a:bodyPr/>
           <a:lstStyle/>
@@ -3717,10 +3722,10 @@
       </p:sp>
       <p:sp>
         <p:nvSpPr>
-          <p:cNvPr id="3" name="Platshållare för innehåll 2">
-            <a:extLst>
-              <a:ext uri="{FF2B5EF4-FFF2-40B4-BE49-F238E27FC236}">
-                <a16:creationId xmlns:a16="http://schemas.microsoft.com/office/drawing/2014/main" id="{C0524647-613E-45E3-8E24-C900E8F84702}"/>
+          <p:cNvPr id="4" name="Platshållare för innehåll 2">
+            <a:extLst>
+              <a:ext uri="{FF2B5EF4-FFF2-40B4-BE49-F238E27FC236}">
+                <a16:creationId xmlns:a16="http://schemas.microsoft.com/office/drawing/2014/main" id="{CD7AF57B-3E90-2F49-BF76-95550CCB9B8A}"/>
               </a:ext>
             </a:extLst>
           </p:cNvPr>
@@ -3733,9 +3738,109 @@
         </p:nvSpPr>
         <p:spPr/>
         <p:txBody>
-          <a:bodyPr/>
-          <a:lstStyle/>
-          <a:p>
+          <a:bodyPr>
+            <a:normAutofit/>
+          </a:bodyPr>
+          <a:lstStyle/>
+          <a:p>
+            <a:r>
+              <a:rPr lang="sv-SE" dirty="0"/>
+              <a:t>Projektledare – </a:t>
+            </a:r>
+            <a:r>
+              <a:rPr lang="sv-SE" dirty="0" err="1"/>
+              <a:t>Scrum</a:t>
+            </a:r>
+            <a:r>
+              <a:rPr lang="sv-SE" dirty="0"/>
+              <a:t> Administratör – Engineers</a:t>
+            </a:r>
+          </a:p>
+          <a:p>
+            <a:r>
+              <a:rPr lang="sv-SE" dirty="0"/>
+              <a:t>Alla jobbar med allt, men delat upp i ”expertområden”.</a:t>
+            </a:r>
+          </a:p>
+          <a:p>
+            <a:pPr>
+              <a:buFontTx/>
+              <a:buChar char="-"/>
+            </a:pPr>
+            <a:r>
+              <a:rPr lang="sv-SE" dirty="0"/>
+              <a:t>Kravprocessboken (delgrupp 1)</a:t>
+            </a:r>
+          </a:p>
+          <a:p>
+            <a:pPr>
+              <a:buFontTx/>
+              <a:buChar char="-"/>
+            </a:pPr>
+            <a:r>
+              <a:rPr lang="sv-SE" dirty="0"/>
+              <a:t>Processboken (delgrupp 2)</a:t>
+            </a:r>
+          </a:p>
+          <a:p>
+            <a:pPr marL="0" indent="0">
+              <a:buNone/>
+            </a:pPr>
+            <a:endParaRPr lang="sv-SE" dirty="0"/>
+          </a:p>
+          <a:p>
+            <a:r>
+              <a:rPr lang="sv-SE" dirty="0"/>
+              <a:t> Regler ganska få, viktigast med kommunikation och </a:t>
+            </a:r>
+            <a:r>
+              <a:rPr lang="sv-SE" dirty="0" err="1"/>
+              <a:t>Scrumboard</a:t>
+            </a:r>
+            <a:r>
+              <a:rPr lang="sv-SE" dirty="0"/>
+              <a:t>.</a:t>
+            </a:r>
+          </a:p>
+          <a:p>
+            <a:pPr>
+              <a:buFontTx/>
+              <a:buChar char="-"/>
+            </a:pPr>
+            <a:r>
+              <a:rPr lang="sv-SE" dirty="0"/>
+              <a:t>Kommunicera och reagera via Discord mellan 08:00 – 16:00.</a:t>
+            </a:r>
+          </a:p>
+          <a:p>
+            <a:pPr>
+              <a:buFontTx/>
+              <a:buChar char="-"/>
+            </a:pPr>
+            <a:r>
+              <a:rPr lang="sv-SE" dirty="0"/>
+              <a:t>Alla uppgifter som kan göras ska finnas på </a:t>
+            </a:r>
+            <a:r>
+              <a:rPr lang="sv-SE" dirty="0" err="1"/>
+              <a:t>Scrumboarden</a:t>
+            </a:r>
+            <a:r>
+              <a:rPr lang="sv-SE" dirty="0"/>
+              <a:t>.</a:t>
+            </a:r>
+          </a:p>
+          <a:p>
+            <a:pPr>
+              <a:buFontTx/>
+              <a:buChar char="-"/>
+            </a:pPr>
+            <a:endParaRPr lang="sv-SE" dirty="0"/>
+          </a:p>
+          <a:p>
+            <a:pPr marL="0" indent="0">
+              <a:buNone/>
+            </a:pPr>
             <a:endParaRPr lang="sv-SE" dirty="0"/>
           </a:p>
         </p:txBody>
